--- a/DariutinDD_pptx_4_16_1.pptx
+++ b/DariutinDD_pptx_4_16_1.pptx
@@ -14270,11 +14270,11 @@
             </a:pPr>
             <a:r>
               <a:rPr lang="en-US" dirty="0" err="1"/>
-              <a:t>MaxFlowCalculator</a:t>
+              <a:t>CalculateMaxFlow</a:t>
             </a:r>
             <a:r>
               <a:rPr lang="en-US" dirty="0"/>
-              <a:t> — </a:t>
+              <a:t>— </a:t>
             </a:r>
             <a:r>
               <a:rPr lang="ru-RU" dirty="0"/>

--- a/DariutinDD_pptx_4_16_1.pptx
+++ b/DariutinDD_pptx_4_16_1.pptx
@@ -14270,11 +14270,11 @@
             </a:pPr>
             <a:r>
               <a:rPr lang="en-US" dirty="0" err="1"/>
-              <a:t>CalculateMaxFlow</a:t>
+              <a:t>MaxFlowCalculator</a:t>
             </a:r>
             <a:r>
               <a:rPr lang="en-US" dirty="0"/>
-              <a:t>— </a:t>
+              <a:t> — </a:t>
             </a:r>
             <a:r>
               <a:rPr lang="ru-RU" dirty="0"/>
